--- a/Analiza statystyczna.pptx
+++ b/Analiza statystyczna.pptx
@@ -7,6 +7,8 @@
   <p:sldIdLst>
     <p:sldId id="256" r:id="rId2"/>
     <p:sldId id="257" r:id="rId3"/>
+    <p:sldId id="258" r:id="rId4"/>
+    <p:sldId id="259" r:id="rId5"/>
   </p:sldIdLst>
   <p:sldSz cx="12192000" cy="6858000"/>
   <p:notesSz cx="6858000" cy="9144000"/>
@@ -4023,6 +4025,384 @@
 </p:sld>
 </file>
 
+<file path=ppt/slides/slide3.xml><?xml version="1.0" encoding="utf-8"?>
+<p:sld xmlns:a="http://schemas.openxmlformats.org/drawingml/2006/main" xmlns:r="http://schemas.openxmlformats.org/officeDocument/2006/relationships" xmlns:p="http://schemas.openxmlformats.org/presentationml/2006/main">
+  <p:cSld>
+    <p:spTree>
+      <p:nvGrpSpPr>
+        <p:cNvPr id="1" name=""/>
+        <p:cNvGrpSpPr/>
+        <p:nvPr/>
+      </p:nvGrpSpPr>
+      <p:grpSpPr>
+        <a:xfrm>
+          <a:off x="0" y="0"/>
+          <a:ext cx="0" cy="0"/>
+          <a:chOff x="0" y="0"/>
+          <a:chExt cx="0" cy="0"/>
+        </a:xfrm>
+      </p:grpSpPr>
+      <p:sp>
+        <p:nvSpPr>
+          <p:cNvPr id="2" name="Tytuł 1">
+            <a:extLst>
+              <a:ext uri="{FF2B5EF4-FFF2-40B4-BE49-F238E27FC236}">
+                <a16:creationId xmlns:a16="http://schemas.microsoft.com/office/drawing/2014/main" id="{E2617C07-5C22-4A39-8E75-413FA1A9B490}"/>
+              </a:ext>
+            </a:extLst>
+          </p:cNvPr>
+          <p:cNvSpPr>
+            <a:spLocks noGrp="1"/>
+          </p:cNvSpPr>
+          <p:nvPr>
+            <p:ph type="title"/>
+          </p:nvPr>
+        </p:nvSpPr>
+        <p:spPr>
+          <a:xfrm>
+            <a:off x="1451579" y="1247253"/>
+            <a:ext cx="9603275" cy="606501"/>
+          </a:xfrm>
+        </p:spPr>
+        <p:txBody>
+          <a:bodyPr/>
+          <a:lstStyle/>
+          <a:p>
+            <a:r>
+              <a:rPr lang="pl-PL" dirty="0"/>
+              <a:t>Przykład wskaźnika natężenia</a:t>
+            </a:r>
+          </a:p>
+        </p:txBody>
+      </p:sp>
+      <p:sp>
+        <p:nvSpPr>
+          <p:cNvPr id="3" name="Symbol zastępczy zawartości 2">
+            <a:extLst>
+              <a:ext uri="{FF2B5EF4-FFF2-40B4-BE49-F238E27FC236}">
+                <a16:creationId xmlns:a16="http://schemas.microsoft.com/office/drawing/2014/main" id="{5CCAF5CA-8CD6-45B9-AC7D-178DE5AD453D}"/>
+              </a:ext>
+            </a:extLst>
+          </p:cNvPr>
+          <p:cNvSpPr>
+            <a:spLocks noGrp="1"/>
+          </p:cNvSpPr>
+          <p:nvPr>
+            <p:ph idx="1"/>
+          </p:nvPr>
+        </p:nvSpPr>
+        <p:spPr>
+          <a:xfrm>
+            <a:off x="1451579" y="2015732"/>
+            <a:ext cx="9603275" cy="4037749"/>
+          </a:xfrm>
+        </p:spPr>
+        <p:txBody>
+          <a:bodyPr/>
+          <a:lstStyle/>
+          <a:p>
+            <a:pPr marL="0" indent="0">
+              <a:buNone/>
+            </a:pPr>
+            <a:r>
+              <a:rPr lang="pl-PL" dirty="0"/>
+              <a:t>Firma posiada 2 sklepy.  W sklepie A zatrudnionych jest 3 sprzedawców w pełnym wymiarze gdzie w 2 sklepie B zatrudnionych jest 6 sprzedawców w pełnym wymiarze i 1 w połowie wymiaru czasu pracy. Proszę ustalić, który ze sklepów osiągnął większą wydajność pracy jeżeli w badanym okresie przychody ze sprzedaży w sklepie A wyniosły 210000 zł a w sklepie B 482950 zł.</a:t>
+            </a:r>
+          </a:p>
+          <a:p>
+            <a:pPr marL="0" indent="0">
+              <a:buNone/>
+            </a:pPr>
+            <a:endParaRPr lang="pl-PL" dirty="0"/>
+          </a:p>
+          <a:p>
+            <a:pPr marL="0" indent="0">
+              <a:buNone/>
+            </a:pPr>
+            <a:endParaRPr lang="pl-PL" dirty="0"/>
+          </a:p>
+          <a:p>
+            <a:pPr marL="0" indent="0">
+              <a:buNone/>
+            </a:pPr>
+            <a:endParaRPr lang="pl-PL" dirty="0"/>
+          </a:p>
+          <a:p>
+            <a:pPr marL="0" indent="0">
+              <a:buNone/>
+            </a:pPr>
+            <a:r>
+              <a:rPr lang="pl-PL" dirty="0"/>
+              <a:t>Odp. Wyższa wydajność pracy jest w sklepie B.</a:t>
+            </a:r>
+          </a:p>
+          <a:p>
+            <a:pPr marL="0" indent="0">
+              <a:buNone/>
+            </a:pPr>
+            <a:endParaRPr lang="pl-PL" dirty="0"/>
+          </a:p>
+        </p:txBody>
+      </p:sp>
+      <p:graphicFrame>
+        <p:nvGraphicFramePr>
+          <p:cNvPr id="4" name="Tabela 3">
+            <a:extLst>
+              <a:ext uri="{FF2B5EF4-FFF2-40B4-BE49-F238E27FC236}">
+                <a16:creationId xmlns:a16="http://schemas.microsoft.com/office/drawing/2014/main" id="{A6C1202C-2088-429C-AB4A-97FDFCCDDA64}"/>
+              </a:ext>
+            </a:extLst>
+          </p:cNvPr>
+          <p:cNvGraphicFramePr>
+            <a:graphicFrameLocks noGrp="1"/>
+          </p:cNvGraphicFramePr>
+          <p:nvPr>
+            <p:extLst>
+              <p:ext uri="{D42A27DB-BD31-4B8C-83A1-F6EECF244321}">
+                <p14:modId xmlns:p14="http://schemas.microsoft.com/office/powerpoint/2010/main" val="3564626884"/>
+              </p:ext>
+            </p:extLst>
+          </p:nvPr>
+        </p:nvGraphicFramePr>
+        <p:xfrm>
+          <a:off x="1451579" y="3999762"/>
+          <a:ext cx="8128000" cy="1285240"/>
+        </p:xfrm>
+        <a:graphic>
+          <a:graphicData uri="http://schemas.openxmlformats.org/drawingml/2006/table">
+            <a:tbl>
+              <a:tblPr firstRow="1" bandRow="1">
+                <a:tableStyleId>{5C22544A-7EE6-4342-B048-85BDC9FD1C3A}</a:tableStyleId>
+              </a:tblPr>
+              <a:tblGrid>
+                <a:gridCol w="4064000">
+                  <a:extLst>
+                    <a:ext uri="{9D8B030D-6E8A-4147-A177-3AD203B41FA5}">
+                      <a16:colId xmlns:a16="http://schemas.microsoft.com/office/drawing/2014/main" val="1588565090"/>
+                    </a:ext>
+                  </a:extLst>
+                </a:gridCol>
+                <a:gridCol w="4064000">
+                  <a:extLst>
+                    <a:ext uri="{9D8B030D-6E8A-4147-A177-3AD203B41FA5}">
+                      <a16:colId xmlns:a16="http://schemas.microsoft.com/office/drawing/2014/main" val="2100329207"/>
+                    </a:ext>
+                  </a:extLst>
+                </a:gridCol>
+              </a:tblGrid>
+              <a:tr h="370840">
+                <a:tc>
+                  <a:txBody>
+                    <a:bodyPr/>
+                    <a:lstStyle/>
+                    <a:p>
+                      <a:r>
+                        <a:rPr lang="pl-PL" dirty="0"/>
+                        <a:t>Sklep A</a:t>
+                      </a:r>
+                    </a:p>
+                  </a:txBody>
+                  <a:tcPr/>
+                </a:tc>
+                <a:tc>
+                  <a:txBody>
+                    <a:bodyPr/>
+                    <a:lstStyle/>
+                    <a:p>
+                      <a:r>
+                        <a:rPr lang="pl-PL" dirty="0"/>
+                        <a:t>Sklep B</a:t>
+                      </a:r>
+                    </a:p>
+                  </a:txBody>
+                  <a:tcPr/>
+                </a:tc>
+                <a:extLst>
+                  <a:ext uri="{0D108BD9-81ED-4DB2-BD59-A6C34878D82A}">
+                    <a16:rowId xmlns:a16="http://schemas.microsoft.com/office/drawing/2014/main" val="4052930875"/>
+                  </a:ext>
+                </a:extLst>
+              </a:tr>
+              <a:tr h="370840">
+                <a:tc>
+                  <a:txBody>
+                    <a:bodyPr/>
+                    <a:lstStyle/>
+                    <a:p>
+                      <a:r>
+                        <a:rPr lang="pl-PL" dirty="0"/>
+                        <a:t>N1 = 210000</a:t>
+                      </a:r>
+                    </a:p>
+                    <a:p>
+                      <a:r>
+                        <a:rPr lang="pl-PL" dirty="0"/>
+                        <a:t>N2 = 3</a:t>
+                      </a:r>
+                    </a:p>
+                    <a:p>
+                      <a:r>
+                        <a:rPr lang="pl-PL" dirty="0" err="1"/>
+                        <a:t>Wn</a:t>
+                      </a:r>
+                      <a:r>
+                        <a:rPr lang="pl-PL" dirty="0"/>
+                        <a:t> = 210000/3=70000 zł</a:t>
+                      </a:r>
+                    </a:p>
+                  </a:txBody>
+                  <a:tcPr/>
+                </a:tc>
+                <a:tc>
+                  <a:txBody>
+                    <a:bodyPr/>
+                    <a:lstStyle/>
+                    <a:p>
+                      <a:r>
+                        <a:rPr lang="pl-PL" dirty="0"/>
+                        <a:t>N1 = 482950</a:t>
+                      </a:r>
+                    </a:p>
+                    <a:p>
+                      <a:r>
+                        <a:rPr lang="pl-PL" dirty="0"/>
+                        <a:t>N2 = 6,5</a:t>
+                      </a:r>
+                    </a:p>
+                    <a:p>
+                      <a:r>
+                        <a:rPr lang="pl-PL" dirty="0" err="1"/>
+                        <a:t>Wn</a:t>
+                      </a:r>
+                      <a:r>
+                        <a:rPr lang="pl-PL" dirty="0"/>
+                        <a:t> = 482950/6,5=74300 zł</a:t>
+                      </a:r>
+                    </a:p>
+                  </a:txBody>
+                  <a:tcPr/>
+                </a:tc>
+                <a:extLst>
+                  <a:ext uri="{0D108BD9-81ED-4DB2-BD59-A6C34878D82A}">
+                    <a16:rowId xmlns:a16="http://schemas.microsoft.com/office/drawing/2014/main" val="3356991078"/>
+                  </a:ext>
+                </a:extLst>
+              </a:tr>
+            </a:tbl>
+          </a:graphicData>
+        </a:graphic>
+      </p:graphicFrame>
+    </p:spTree>
+    <p:extLst>
+      <p:ext uri="{BB962C8B-B14F-4D97-AF65-F5344CB8AC3E}">
+        <p14:creationId xmlns:p14="http://schemas.microsoft.com/office/powerpoint/2010/main" val="160198852"/>
+      </p:ext>
+    </p:extLst>
+  </p:cSld>
+  <p:clrMapOvr>
+    <a:masterClrMapping/>
+  </p:clrMapOvr>
+</p:sld>
+</file>
+
+<file path=ppt/slides/slide4.xml><?xml version="1.0" encoding="utf-8"?>
+<p:sld xmlns:a="http://schemas.openxmlformats.org/drawingml/2006/main" xmlns:r="http://schemas.openxmlformats.org/officeDocument/2006/relationships" xmlns:p="http://schemas.openxmlformats.org/presentationml/2006/main">
+  <p:cSld>
+    <p:spTree>
+      <p:nvGrpSpPr>
+        <p:cNvPr id="1" name=""/>
+        <p:cNvGrpSpPr/>
+        <p:nvPr/>
+      </p:nvGrpSpPr>
+      <p:grpSpPr>
+        <a:xfrm>
+          <a:off x="0" y="0"/>
+          <a:ext cx="0" cy="0"/>
+          <a:chOff x="0" y="0"/>
+          <a:chExt cx="0" cy="0"/>
+        </a:xfrm>
+      </p:grpSpPr>
+      <p:sp>
+        <p:nvSpPr>
+          <p:cNvPr id="2" name="Tytuł 1">
+            <a:extLst>
+              <a:ext uri="{FF2B5EF4-FFF2-40B4-BE49-F238E27FC236}">
+                <a16:creationId xmlns:a16="http://schemas.microsoft.com/office/drawing/2014/main" id="{707561CD-D7F9-4DF7-9634-260C99B12BC3}"/>
+              </a:ext>
+            </a:extLst>
+          </p:cNvPr>
+          <p:cNvSpPr>
+            <a:spLocks noGrp="1"/>
+          </p:cNvSpPr>
+          <p:nvPr>
+            <p:ph type="title"/>
+          </p:nvPr>
+        </p:nvSpPr>
+        <p:spPr>
+          <a:xfrm>
+            <a:off x="1451579" y="1291905"/>
+            <a:ext cx="9603275" cy="561849"/>
+          </a:xfrm>
+        </p:spPr>
+        <p:txBody>
+          <a:bodyPr/>
+          <a:lstStyle/>
+          <a:p>
+            <a:r>
+              <a:rPr lang="pl-PL" dirty="0"/>
+              <a:t>Ćwiczenie do wykonania</a:t>
+            </a:r>
+          </a:p>
+        </p:txBody>
+      </p:sp>
+      <p:sp>
+        <p:nvSpPr>
+          <p:cNvPr id="3" name="Symbol zastępczy zawartości 2">
+            <a:extLst>
+              <a:ext uri="{FF2B5EF4-FFF2-40B4-BE49-F238E27FC236}">
+                <a16:creationId xmlns:a16="http://schemas.microsoft.com/office/drawing/2014/main" id="{D71B4893-D7D5-4285-A1BC-5A6ED05E7895}"/>
+              </a:ext>
+            </a:extLst>
+          </p:cNvPr>
+          <p:cNvSpPr>
+            <a:spLocks noGrp="1"/>
+          </p:cNvSpPr>
+          <p:nvPr>
+            <p:ph idx="1"/>
+          </p:nvPr>
+        </p:nvSpPr>
+        <p:spPr/>
+        <p:txBody>
+          <a:bodyPr/>
+          <a:lstStyle/>
+          <a:p>
+            <a:pPr marL="0" indent="0">
+              <a:buNone/>
+            </a:pPr>
+            <a:r>
+              <a:rPr lang="pl-PL" dirty="0"/>
+              <a:t>Proszę ustalić koszt (w zł) przypadający na 1 zł </a:t>
+            </a:r>
+            <a:r>
+              <a:rPr lang="pl-PL"/>
+              <a:t>sprzedaży jeżeli:</a:t>
+            </a:r>
+          </a:p>
+        </p:txBody>
+      </p:sp>
+    </p:spTree>
+    <p:extLst>
+      <p:ext uri="{BB962C8B-B14F-4D97-AF65-F5344CB8AC3E}">
+        <p14:creationId xmlns:p14="http://schemas.microsoft.com/office/powerpoint/2010/main" val="429226777"/>
+      </p:ext>
+    </p:extLst>
+  </p:cSld>
+  <p:clrMapOvr>
+    <a:masterClrMapping/>
+  </p:clrMapOvr>
+</p:sld>
+</file>
+
 <file path=ppt/theme/theme1.xml><?xml version="1.0" encoding="utf-8"?>
 <a:theme xmlns:a="http://schemas.openxmlformats.org/drawingml/2006/main" name="Galeria">
   <a:themeElements>
